--- a/giao-an/buoi3/BUỔI 3 PROPS & TRUYỀN DỮ LIỆU.pptx
+++ b/giao-an/buoi3/BUỔI 3 PROPS & TRUYỀN DỮ LIỆU.pptx
@@ -10,25 +10,26 @@
     <p:sldId id="259" r:id="rId4"/>
     <p:sldId id="275" r:id="rId5"/>
     <p:sldId id="260" r:id="rId6"/>
-    <p:sldId id="270" r:id="rId7"/>
+    <p:sldId id="276" r:id="rId7"/>
+    <p:sldId id="270" r:id="rId8"/>
   </p:sldIdLst>
   <p:sldSz cx="18288000" cy="10287000"/>
   <p:notesSz cx="6858000" cy="9144000"/>
   <p:embeddedFontLst>
     <p:embeddedFont>
       <p:font typeface="Calibri" panose="020F0502020204030204" pitchFamily="34" charset="0"/>
-      <p:regular r:id="rId8"/>
-      <p:bold r:id="rId9"/>
-      <p:italic r:id="rId10"/>
-      <p:boldItalic r:id="rId11"/>
-    </p:embeddedFont>
-    <p:embeddedFont>
-      <p:font typeface="Bricolage Grotesque Bold" panose="020B0604020202020204" charset="0"/>
-      <p:regular r:id="rId12"/>
+      <p:regular r:id="rId9"/>
+      <p:bold r:id="rId10"/>
+      <p:italic r:id="rId11"/>
+      <p:boldItalic r:id="rId12"/>
     </p:embeddedFont>
     <p:embeddedFont>
       <p:font typeface="Bricolage Grotesque" panose="020B0604020202020204" charset="0"/>
       <p:regular r:id="rId13"/>
+    </p:embeddedFont>
+    <p:embeddedFont>
+      <p:font typeface="Bricolage Grotesque Bold" panose="020B0604020202020204" charset="0"/>
+      <p:regular r:id="rId14"/>
     </p:embeddedFont>
   </p:embeddedFontLst>
   <p:defaultTextStyle>
@@ -327,7 +328,7 @@
             <a:fld id="{1D8BD707-D9CF-40AE-B4C6-C98DA3205C09}" type="datetimeFigureOut">
               <a:rPr lang="en-US" smtClean="0"/>
               <a:pPr/>
-              <a:t>2026-01-02</a:t>
+              <a:t>2026-01-16</a:t>
             </a:fld>
             <a:endParaRPr lang="en-US"/>
           </a:p>
@@ -494,7 +495,7 @@
             <a:fld id="{1D8BD707-D9CF-40AE-B4C6-C98DA3205C09}" type="datetimeFigureOut">
               <a:rPr lang="en-US" smtClean="0"/>
               <a:pPr/>
-              <a:t>2026-01-02</a:t>
+              <a:t>2026-01-16</a:t>
             </a:fld>
             <a:endParaRPr lang="en-US"/>
           </a:p>
@@ -671,7 +672,7 @@
             <a:fld id="{1D8BD707-D9CF-40AE-B4C6-C98DA3205C09}" type="datetimeFigureOut">
               <a:rPr lang="en-US" smtClean="0"/>
               <a:pPr/>
-              <a:t>2026-01-02</a:t>
+              <a:t>2026-01-16</a:t>
             </a:fld>
             <a:endParaRPr lang="en-US"/>
           </a:p>
@@ -838,7 +839,7 @@
             <a:fld id="{1D8BD707-D9CF-40AE-B4C6-C98DA3205C09}" type="datetimeFigureOut">
               <a:rPr lang="en-US" smtClean="0"/>
               <a:pPr/>
-              <a:t>2026-01-02</a:t>
+              <a:t>2026-01-16</a:t>
             </a:fld>
             <a:endParaRPr lang="en-US"/>
           </a:p>
@@ -1081,7 +1082,7 @@
             <a:fld id="{1D8BD707-D9CF-40AE-B4C6-C98DA3205C09}" type="datetimeFigureOut">
               <a:rPr lang="en-US" smtClean="0"/>
               <a:pPr/>
-              <a:t>2026-01-02</a:t>
+              <a:t>2026-01-16</a:t>
             </a:fld>
             <a:endParaRPr lang="en-US"/>
           </a:p>
@@ -1366,7 +1367,7 @@
             <a:fld id="{1D8BD707-D9CF-40AE-B4C6-C98DA3205C09}" type="datetimeFigureOut">
               <a:rPr lang="en-US" smtClean="0"/>
               <a:pPr/>
-              <a:t>2026-01-02</a:t>
+              <a:t>2026-01-16</a:t>
             </a:fld>
             <a:endParaRPr lang="en-US"/>
           </a:p>
@@ -1785,7 +1786,7 @@
             <a:fld id="{1D8BD707-D9CF-40AE-B4C6-C98DA3205C09}" type="datetimeFigureOut">
               <a:rPr lang="en-US" smtClean="0"/>
               <a:pPr/>
-              <a:t>2026-01-02</a:t>
+              <a:t>2026-01-16</a:t>
             </a:fld>
             <a:endParaRPr lang="en-US"/>
           </a:p>
@@ -1900,7 +1901,7 @@
             <a:fld id="{1D8BD707-D9CF-40AE-B4C6-C98DA3205C09}" type="datetimeFigureOut">
               <a:rPr lang="en-US" smtClean="0"/>
               <a:pPr/>
-              <a:t>2026-01-02</a:t>
+              <a:t>2026-01-16</a:t>
             </a:fld>
             <a:endParaRPr lang="en-US"/>
           </a:p>
@@ -1992,7 +1993,7 @@
             <a:fld id="{1D8BD707-D9CF-40AE-B4C6-C98DA3205C09}" type="datetimeFigureOut">
               <a:rPr lang="en-US" smtClean="0"/>
               <a:pPr/>
-              <a:t>2026-01-02</a:t>
+              <a:t>2026-01-16</a:t>
             </a:fld>
             <a:endParaRPr lang="en-US"/>
           </a:p>
@@ -2266,7 +2267,7 @@
             <a:fld id="{1D8BD707-D9CF-40AE-B4C6-C98DA3205C09}" type="datetimeFigureOut">
               <a:rPr lang="en-US" smtClean="0"/>
               <a:pPr/>
-              <a:t>2026-01-02</a:t>
+              <a:t>2026-01-16</a:t>
             </a:fld>
             <a:endParaRPr lang="en-US"/>
           </a:p>
@@ -2516,7 +2517,7 @@
             <a:fld id="{1D8BD707-D9CF-40AE-B4C6-C98DA3205C09}" type="datetimeFigureOut">
               <a:rPr lang="en-US" smtClean="0"/>
               <a:pPr/>
-              <a:t>2026-01-02</a:t>
+              <a:t>2026-01-16</a:t>
             </a:fld>
             <a:endParaRPr lang="en-US"/>
           </a:p>
@@ -2726,7 +2727,7 @@
             <a:fld id="{1D8BD707-D9CF-40AE-B4C6-C98DA3205C09}" type="datetimeFigureOut">
               <a:rPr lang="en-US" smtClean="0"/>
               <a:pPr/>
-              <a:t>2026-01-02</a:t>
+              <a:t>2026-01-16</a:t>
             </a:fld>
             <a:endParaRPr lang="en-US"/>
           </a:p>
@@ -3161,7 +3162,7 @@
               <a:blip r:embed="rId2">
                 <a:extLst>
                   <a:ext uri="{96DAC541-7B7A-43D3-8B79-37D633B846F1}">
-                    <asvg:svgBlip xmlns:asvg="http://schemas.microsoft.com/office/drawing/2016/SVG/main" xmlns="" r:embed="rId4"/>
+                    <asvg:svgBlip xmlns="" xmlns:asvg="http://schemas.microsoft.com/office/drawing/2016/SVG/main" r:embed="rId4"/>
                   </a:ext>
                 </a:extLst>
               </a:blip>
@@ -4089,6 +4090,247 @@
                 <a:cs typeface="Bricolage Grotesque Bold"/>
                 <a:sym typeface="Bricolage Grotesque Bold"/>
               </a:rPr>
+              <a:t>2 </a:t>
+            </a:r>
+            <a:r>
+              <a:rPr lang="en-US" sz="6999" b="1" dirty="0" err="1" smtClean="0">
+                <a:solidFill>
+                  <a:srgbClr val="1E293B"/>
+                </a:solidFill>
+                <a:latin typeface="Bricolage Grotesque Bold"/>
+                <a:ea typeface="Bricolage Grotesque Bold"/>
+                <a:cs typeface="Bricolage Grotesque Bold"/>
+                <a:sym typeface="Bricolage Grotesque Bold"/>
+              </a:rPr>
+              <a:t>Cách</a:t>
+            </a:r>
+            <a:r>
+              <a:rPr lang="en-US" sz="6999" b="1" dirty="0" smtClean="0">
+                <a:solidFill>
+                  <a:srgbClr val="1E293B"/>
+                </a:solidFill>
+                <a:latin typeface="Bricolage Grotesque Bold"/>
+                <a:ea typeface="Bricolage Grotesque Bold"/>
+                <a:cs typeface="Bricolage Grotesque Bold"/>
+                <a:sym typeface="Bricolage Grotesque Bold"/>
+              </a:rPr>
+              <a:t> </a:t>
+            </a:r>
+            <a:r>
+              <a:rPr lang="en-US" sz="6999" b="1" dirty="0" err="1" smtClean="0">
+                <a:solidFill>
+                  <a:srgbClr val="1E293B"/>
+                </a:solidFill>
+                <a:latin typeface="Bricolage Grotesque Bold"/>
+                <a:ea typeface="Bricolage Grotesque Bold"/>
+                <a:cs typeface="Bricolage Grotesque Bold"/>
+                <a:sym typeface="Bricolage Grotesque Bold"/>
+              </a:rPr>
+              <a:t>lấy</a:t>
+            </a:r>
+            <a:r>
+              <a:rPr lang="en-US" sz="6999" b="1" dirty="0" smtClean="0">
+                <a:solidFill>
+                  <a:srgbClr val="1E293B"/>
+                </a:solidFill>
+                <a:latin typeface="Bricolage Grotesque Bold"/>
+                <a:ea typeface="Bricolage Grotesque Bold"/>
+                <a:cs typeface="Bricolage Grotesque Bold"/>
+                <a:sym typeface="Bricolage Grotesque Bold"/>
+              </a:rPr>
+              <a:t> </a:t>
+            </a:r>
+            <a:r>
+              <a:rPr lang="en-US" sz="6999" b="1" dirty="0" err="1" smtClean="0">
+                <a:solidFill>
+                  <a:srgbClr val="1E293B"/>
+                </a:solidFill>
+                <a:latin typeface="Bricolage Grotesque Bold"/>
+                <a:ea typeface="Bricolage Grotesque Bold"/>
+                <a:cs typeface="Bricolage Grotesque Bold"/>
+                <a:sym typeface="Bricolage Grotesque Bold"/>
+              </a:rPr>
+              <a:t>ra</a:t>
+            </a:r>
+            <a:r>
+              <a:rPr lang="en-US" sz="6999" b="1" dirty="0" smtClean="0">
+                <a:solidFill>
+                  <a:srgbClr val="1E293B"/>
+                </a:solidFill>
+                <a:latin typeface="Bricolage Grotesque Bold"/>
+                <a:ea typeface="Bricolage Grotesque Bold"/>
+                <a:cs typeface="Bricolage Grotesque Bold"/>
+                <a:sym typeface="Bricolage Grotesque Bold"/>
+              </a:rPr>
+              <a:t> </a:t>
+            </a:r>
+            <a:r>
+              <a:rPr lang="en-US" sz="6999" b="1" dirty="0" err="1" smtClean="0">
+                <a:solidFill>
+                  <a:srgbClr val="1E293B"/>
+                </a:solidFill>
+                <a:latin typeface="Bricolage Grotesque Bold"/>
+                <a:ea typeface="Bricolage Grotesque Bold"/>
+                <a:cs typeface="Bricolage Grotesque Bold"/>
+                <a:sym typeface="Bricolage Grotesque Bold"/>
+              </a:rPr>
+              <a:t>dữ</a:t>
+            </a:r>
+            <a:r>
+              <a:rPr lang="en-US" sz="6999" b="1" dirty="0" smtClean="0">
+                <a:solidFill>
+                  <a:srgbClr val="1E293B"/>
+                </a:solidFill>
+                <a:latin typeface="Bricolage Grotesque Bold"/>
+                <a:ea typeface="Bricolage Grotesque Bold"/>
+                <a:cs typeface="Bricolage Grotesque Bold"/>
+                <a:sym typeface="Bricolage Grotesque Bold"/>
+              </a:rPr>
+              <a:t> </a:t>
+            </a:r>
+            <a:r>
+              <a:rPr lang="en-US" sz="6999" b="1" dirty="0" err="1" smtClean="0">
+                <a:solidFill>
+                  <a:srgbClr val="1E293B"/>
+                </a:solidFill>
+                <a:latin typeface="Bricolage Grotesque Bold"/>
+                <a:ea typeface="Bricolage Grotesque Bold"/>
+                <a:cs typeface="Bricolage Grotesque Bold"/>
+                <a:sym typeface="Bricolage Grotesque Bold"/>
+              </a:rPr>
+              <a:t>liệu</a:t>
+            </a:r>
+            <a:endParaRPr lang="en-US" sz="6999" b="1" dirty="0">
+              <a:solidFill>
+                <a:srgbClr val="1E293B"/>
+              </a:solidFill>
+              <a:latin typeface="Bricolage Grotesque Bold"/>
+              <a:ea typeface="Bricolage Grotesque Bold"/>
+              <a:cs typeface="Bricolage Grotesque Bold"/>
+              <a:sym typeface="Bricolage Grotesque Bold"/>
+            </a:endParaRPr>
+          </a:p>
+        </p:txBody>
+      </p:sp>
+      <p:pic>
+        <p:nvPicPr>
+          <p:cNvPr id="4" name="Picture 3"/>
+          <p:cNvPicPr>
+            <a:picLocks noChangeAspect="1"/>
+          </p:cNvPicPr>
+          <p:nvPr/>
+        </p:nvPicPr>
+        <p:blipFill>
+          <a:blip r:embed="rId2"/>
+          <a:stretch>
+            <a:fillRect/>
+          </a:stretch>
+        </p:blipFill>
+        <p:spPr>
+          <a:xfrm>
+            <a:off x="762000" y="2873190"/>
+            <a:ext cx="7677150" cy="4617945"/>
+          </a:xfrm>
+          <a:prstGeom prst="rect">
+            <a:avLst/>
+          </a:prstGeom>
+        </p:spPr>
+      </p:pic>
+      <p:pic>
+        <p:nvPicPr>
+          <p:cNvPr id="5" name="Picture 4"/>
+          <p:cNvPicPr>
+            <a:picLocks noChangeAspect="1"/>
+          </p:cNvPicPr>
+          <p:nvPr/>
+        </p:nvPicPr>
+        <p:blipFill>
+          <a:blip r:embed="rId3"/>
+          <a:stretch>
+            <a:fillRect/>
+          </a:stretch>
+        </p:blipFill>
+        <p:spPr>
+          <a:xfrm>
+            <a:off x="8686800" y="2872101"/>
+            <a:ext cx="9001256" cy="4602255"/>
+          </a:xfrm>
+          <a:prstGeom prst="rect">
+            <a:avLst/>
+          </a:prstGeom>
+        </p:spPr>
+      </p:pic>
+    </p:spTree>
+  </p:cSld>
+  <p:clrMapOvr>
+    <a:masterClrMapping/>
+  </p:clrMapOvr>
+  <p:timing>
+    <p:tnLst>
+      <p:par>
+        <p:cTn id="1" dur="indefinite" restart="never" nodeType="tmRoot"/>
+      </p:par>
+    </p:tnLst>
+  </p:timing>
+</p:sld>
+</file>
+
+<file path=ppt/slides/slide6.xml><?xml version="1.0" encoding="utf-8"?>
+<p:sld xmlns:a="http://schemas.openxmlformats.org/drawingml/2006/main" xmlns:r="http://schemas.openxmlformats.org/officeDocument/2006/relationships" xmlns:p="http://schemas.openxmlformats.org/presentationml/2006/main">
+  <p:cSld>
+    <p:spTree>
+      <p:nvGrpSpPr>
+        <p:cNvPr id="1" name=""/>
+        <p:cNvGrpSpPr/>
+        <p:nvPr/>
+      </p:nvGrpSpPr>
+      <p:grpSpPr>
+        <a:xfrm>
+          <a:off x="0" y="0"/>
+          <a:ext cx="0" cy="0"/>
+          <a:chOff x="0" y="0"/>
+          <a:chExt cx="0" cy="0"/>
+        </a:xfrm>
+      </p:grpSpPr>
+      <p:sp>
+        <p:nvSpPr>
+          <p:cNvPr id="3" name="TextBox 3"/>
+          <p:cNvSpPr txBox="1"/>
+          <p:nvPr/>
+        </p:nvSpPr>
+        <p:spPr>
+          <a:xfrm>
+            <a:off x="0" y="630238"/>
+            <a:ext cx="18288000" cy="930275"/>
+          </a:xfrm>
+          <a:prstGeom prst="rect">
+            <a:avLst/>
+          </a:prstGeom>
+        </p:spPr>
+        <p:txBody>
+          <a:bodyPr lIns="0" tIns="0" rIns="0" bIns="0" rtlCol="0" anchor="t">
+            <a:spAutoFit/>
+          </a:bodyPr>
+          <a:lstStyle/>
+          <a:p>
+            <a:pPr marL="0" lvl="0" indent="0" algn="ctr">
+              <a:lnSpc>
+                <a:spcPts val="6999"/>
+              </a:lnSpc>
+              <a:spcBef>
+                <a:spcPct val="0"/>
+              </a:spcBef>
+            </a:pPr>
+            <a:r>
+              <a:rPr lang="en-US" sz="6999" b="1" dirty="0" smtClean="0">
+                <a:solidFill>
+                  <a:srgbClr val="1E293B"/>
+                </a:solidFill>
+                <a:latin typeface="Bricolage Grotesque Bold"/>
+                <a:ea typeface="Bricolage Grotesque Bold"/>
+                <a:cs typeface="Bricolage Grotesque Bold"/>
+                <a:sym typeface="Bricolage Grotesque Bold"/>
+              </a:rPr>
               <a:t>Render List</a:t>
             </a:r>
             <a:endParaRPr lang="en-US" sz="6999" b="1" dirty="0">
@@ -4128,6 +4370,11 @@
         </p:spPr>
       </p:pic>
     </p:spTree>
+    <p:extLst>
+      <p:ext uri="{BB962C8B-B14F-4D97-AF65-F5344CB8AC3E}">
+        <p14:creationId xmlns:p14="http://schemas.microsoft.com/office/powerpoint/2010/main" val="3927244880"/>
+      </p:ext>
+    </p:extLst>
   </p:cSld>
   <p:clrMapOvr>
     <a:masterClrMapping/>
@@ -4142,7 +4389,7 @@
 </p:sld>
 </file>
 
-<file path=ppt/slides/slide6.xml><?xml version="1.0" encoding="utf-8"?>
+<file path=ppt/slides/slide7.xml><?xml version="1.0" encoding="utf-8"?>
 <p:sld xmlns:a="http://schemas.openxmlformats.org/drawingml/2006/main" xmlns:r="http://schemas.openxmlformats.org/officeDocument/2006/relationships" xmlns:p="http://schemas.openxmlformats.org/presentationml/2006/main">
   <p:cSld>
     <p:bg>
@@ -4393,7 +4640,7 @@
               <a:blip r:embed="rId2">
                 <a:extLst>
                   <a:ext uri="{96DAC541-7B7A-43D3-8B79-37D633B846F1}">
-                    <asvg:svgBlip xmlns:asvg="http://schemas.microsoft.com/office/drawing/2016/SVG/main" xmlns="" r:embed="rId4"/>
+                    <asvg:svgBlip xmlns="" xmlns:asvg="http://schemas.microsoft.com/office/drawing/2016/SVG/main" r:embed="rId4"/>
                   </a:ext>
                 </a:extLst>
               </a:blip>
@@ -4511,7 +4758,7 @@
       </p:grpSp>
       <p:pic>
         <p:nvPicPr>
-          <p:cNvPr id="3" name="Picture 2"/>
+          <p:cNvPr id="5" name="Picture 4"/>
           <p:cNvPicPr>
             <a:picLocks noChangeAspect="1"/>
           </p:cNvPicPr>
@@ -4525,8 +4772,8 @@
         </p:blipFill>
         <p:spPr>
           <a:xfrm>
-            <a:off x="762000" y="496471"/>
-            <a:ext cx="11734800" cy="9043182"/>
+            <a:off x="381000" y="342900"/>
+            <a:ext cx="9677400" cy="9665540"/>
           </a:xfrm>
           <a:prstGeom prst="rect">
             <a:avLst/>
